--- a/sch/img/imgEdit.pptx
+++ b/sch/img/imgEdit.pptx
@@ -7,6 +7,10 @@
   <p:sldIdLst>
     <p:sldId id="256" r:id="rId2"/>
     <p:sldId id="257" r:id="rId3"/>
+    <p:sldId id="258" r:id="rId4"/>
+    <p:sldId id="259" r:id="rId5"/>
+    <p:sldId id="260" r:id="rId6"/>
+    <p:sldId id="261" r:id="rId7"/>
   </p:sldIdLst>
   <p:sldSz cx="12192000" cy="6858000"/>
   <p:notesSz cx="6858000" cy="9144000"/>
@@ -105,6 +109,11 @@
       </a:defRPr>
     </a:lvl9pPr>
   </p:defaultTextStyle>
+  <p:extLst>
+    <p:ext uri="{EFAFB233-063F-42B5-8137-9DF3F51BA10A}">
+      <p15:sldGuideLst xmlns:p15="http://schemas.microsoft.com/office/powerpoint/2012/main"/>
+    </p:ext>
+  </p:extLst>
 </p:presentation>
 </file>
 
@@ -255,7 +264,7 @@
           <a:p>
             <a:fld id="{2BA5A62B-8BAE-5B46-A2F0-A9B6BFE5BE34}" type="datetimeFigureOut">
               <a:rPr kumimoji="1" lang="ja-JP" altLang="en-US" smtClean="0"/>
-              <a:t>2021/10/25</a:t>
+              <a:t>2021/11/15</a:t>
             </a:fld>
             <a:endParaRPr kumimoji="1" lang="ja-JP" altLang="en-US"/>
           </a:p>
@@ -485,7 +494,7 @@
           <a:p>
             <a:fld id="{2BA5A62B-8BAE-5B46-A2F0-A9B6BFE5BE34}" type="datetimeFigureOut">
               <a:rPr kumimoji="1" lang="ja-JP" altLang="en-US" smtClean="0"/>
-              <a:t>2021/10/25</a:t>
+              <a:t>2021/11/15</a:t>
             </a:fld>
             <a:endParaRPr kumimoji="1" lang="ja-JP" altLang="en-US"/>
           </a:p>
@@ -725,7 +734,7 @@
           <a:p>
             <a:fld id="{2BA5A62B-8BAE-5B46-A2F0-A9B6BFE5BE34}" type="datetimeFigureOut">
               <a:rPr kumimoji="1" lang="ja-JP" altLang="en-US" smtClean="0"/>
-              <a:t>2021/10/25</a:t>
+              <a:t>2021/11/15</a:t>
             </a:fld>
             <a:endParaRPr kumimoji="1" lang="ja-JP" altLang="en-US"/>
           </a:p>
@@ -955,7 +964,7 @@
           <a:p>
             <a:fld id="{2BA5A62B-8BAE-5B46-A2F0-A9B6BFE5BE34}" type="datetimeFigureOut">
               <a:rPr kumimoji="1" lang="ja-JP" altLang="en-US" smtClean="0"/>
-              <a:t>2021/10/25</a:t>
+              <a:t>2021/11/15</a:t>
             </a:fld>
             <a:endParaRPr kumimoji="1" lang="ja-JP" altLang="en-US"/>
           </a:p>
@@ -1230,7 +1239,7 @@
           <a:p>
             <a:fld id="{2BA5A62B-8BAE-5B46-A2F0-A9B6BFE5BE34}" type="datetimeFigureOut">
               <a:rPr kumimoji="1" lang="ja-JP" altLang="en-US" smtClean="0"/>
-              <a:t>2021/10/25</a:t>
+              <a:t>2021/11/15</a:t>
             </a:fld>
             <a:endParaRPr kumimoji="1" lang="ja-JP" altLang="en-US"/>
           </a:p>
@@ -1559,7 +1568,7 @@
           <a:p>
             <a:fld id="{2BA5A62B-8BAE-5B46-A2F0-A9B6BFE5BE34}" type="datetimeFigureOut">
               <a:rPr kumimoji="1" lang="ja-JP" altLang="en-US" smtClean="0"/>
-              <a:t>2021/10/25</a:t>
+              <a:t>2021/11/15</a:t>
             </a:fld>
             <a:endParaRPr kumimoji="1" lang="ja-JP" altLang="en-US"/>
           </a:p>
@@ -2035,7 +2044,7 @@
           <a:p>
             <a:fld id="{2BA5A62B-8BAE-5B46-A2F0-A9B6BFE5BE34}" type="datetimeFigureOut">
               <a:rPr kumimoji="1" lang="ja-JP" altLang="en-US" smtClean="0"/>
-              <a:t>2021/10/25</a:t>
+              <a:t>2021/11/15</a:t>
             </a:fld>
             <a:endParaRPr kumimoji="1" lang="ja-JP" altLang="en-US"/>
           </a:p>
@@ -2176,7 +2185,7 @@
           <a:p>
             <a:fld id="{2BA5A62B-8BAE-5B46-A2F0-A9B6BFE5BE34}" type="datetimeFigureOut">
               <a:rPr kumimoji="1" lang="ja-JP" altLang="en-US" smtClean="0"/>
-              <a:t>2021/10/25</a:t>
+              <a:t>2021/11/15</a:t>
             </a:fld>
             <a:endParaRPr kumimoji="1" lang="ja-JP" altLang="en-US"/>
           </a:p>
@@ -2289,7 +2298,7 @@
           <a:p>
             <a:fld id="{2BA5A62B-8BAE-5B46-A2F0-A9B6BFE5BE34}" type="datetimeFigureOut">
               <a:rPr kumimoji="1" lang="ja-JP" altLang="en-US" smtClean="0"/>
-              <a:t>2021/10/25</a:t>
+              <a:t>2021/11/15</a:t>
             </a:fld>
             <a:endParaRPr kumimoji="1" lang="ja-JP" altLang="en-US"/>
           </a:p>
@@ -2632,7 +2641,7 @@
           <a:p>
             <a:fld id="{2BA5A62B-8BAE-5B46-A2F0-A9B6BFE5BE34}" type="datetimeFigureOut">
               <a:rPr kumimoji="1" lang="ja-JP" altLang="en-US" smtClean="0"/>
-              <a:t>2021/10/25</a:t>
+              <a:t>2021/11/15</a:t>
             </a:fld>
             <a:endParaRPr kumimoji="1" lang="ja-JP" altLang="en-US"/>
           </a:p>
@@ -2920,7 +2929,7 @@
           <a:p>
             <a:fld id="{2BA5A62B-8BAE-5B46-A2F0-A9B6BFE5BE34}" type="datetimeFigureOut">
               <a:rPr kumimoji="1" lang="ja-JP" altLang="en-US" smtClean="0"/>
-              <a:t>2021/10/25</a:t>
+              <a:t>2021/11/15</a:t>
             </a:fld>
             <a:endParaRPr kumimoji="1" lang="ja-JP" altLang="en-US"/>
           </a:p>
@@ -3193,7 +3202,7 @@
           <a:p>
             <a:fld id="{2BA5A62B-8BAE-5B46-A2F0-A9B6BFE5BE34}" type="datetimeFigureOut">
               <a:rPr kumimoji="1" lang="ja-JP" altLang="en-US" smtClean="0"/>
-              <a:t>2021/10/25</a:t>
+              <a:t>2021/11/15</a:t>
             </a:fld>
             <a:endParaRPr kumimoji="1" lang="ja-JP" altLang="en-US"/>
           </a:p>
@@ -4088,6 +4097,1375 @@
 </p:sld>
 </file>
 
+<file path=ppt/slides/slide3.xml><?xml version="1.0" encoding="utf-8"?>
+<p:sld xmlns:a="http://schemas.openxmlformats.org/drawingml/2006/main" xmlns:r="http://schemas.openxmlformats.org/officeDocument/2006/relationships" xmlns:p="http://schemas.openxmlformats.org/presentationml/2006/main">
+  <p:cSld>
+    <p:spTree>
+      <p:nvGrpSpPr>
+        <p:cNvPr id="1" name=""/>
+        <p:cNvGrpSpPr/>
+        <p:nvPr/>
+      </p:nvGrpSpPr>
+      <p:grpSpPr>
+        <a:xfrm>
+          <a:off x="0" y="0"/>
+          <a:ext cx="0" cy="0"/>
+          <a:chOff x="0" y="0"/>
+          <a:chExt cx="0" cy="0"/>
+        </a:xfrm>
+      </p:grpSpPr>
+      <p:pic>
+        <p:nvPicPr>
+          <p:cNvPr id="5" name="図 4">
+            <a:extLst>
+              <a:ext uri="{FF2B5EF4-FFF2-40B4-BE49-F238E27FC236}">
+                <a16:creationId xmlns:a16="http://schemas.microsoft.com/office/drawing/2014/main" id="{C3C31E53-F316-6A4C-B286-150515514369}"/>
+              </a:ext>
+            </a:extLst>
+          </p:cNvPr>
+          <p:cNvPicPr>
+            <a:picLocks noChangeAspect="1"/>
+          </p:cNvPicPr>
+          <p:nvPr/>
+        </p:nvPicPr>
+        <p:blipFill>
+          <a:blip r:embed="rId2"/>
+          <a:stretch>
+            <a:fillRect/>
+          </a:stretch>
+        </p:blipFill>
+        <p:spPr>
+          <a:xfrm>
+            <a:off x="0" y="1357108"/>
+            <a:ext cx="12192000" cy="4143784"/>
+          </a:xfrm>
+          <a:prstGeom prst="rect">
+            <a:avLst/>
+          </a:prstGeom>
+        </p:spPr>
+      </p:pic>
+      <p:cxnSp>
+        <p:nvCxnSpPr>
+          <p:cNvPr id="7" name="直線矢印コネクタ 6">
+            <a:extLst>
+              <a:ext uri="{FF2B5EF4-FFF2-40B4-BE49-F238E27FC236}">
+                <a16:creationId xmlns:a16="http://schemas.microsoft.com/office/drawing/2014/main" id="{38F2BCCF-7C23-AC43-9520-391147406042}"/>
+              </a:ext>
+            </a:extLst>
+          </p:cNvPr>
+          <p:cNvCxnSpPr>
+            <a:cxnSpLocks/>
+          </p:cNvCxnSpPr>
+          <p:nvPr/>
+        </p:nvCxnSpPr>
+        <p:spPr>
+          <a:xfrm>
+            <a:off x="1717046" y="1357108"/>
+            <a:ext cx="1289957" cy="0"/>
+          </a:xfrm>
+          <a:prstGeom prst="straightConnector1">
+            <a:avLst/>
+          </a:prstGeom>
+          <a:ln w="38100">
+            <a:solidFill>
+              <a:schemeClr val="tx1"/>
+            </a:solidFill>
+            <a:headEnd type="none" w="lg" len="lg"/>
+            <a:tailEnd type="arrow" w="lg" len="lg"/>
+          </a:ln>
+        </p:spPr>
+        <p:style>
+          <a:lnRef idx="1">
+            <a:schemeClr val="accent1"/>
+          </a:lnRef>
+          <a:fillRef idx="0">
+            <a:schemeClr val="accent1"/>
+          </a:fillRef>
+          <a:effectRef idx="0">
+            <a:schemeClr val="accent1"/>
+          </a:effectRef>
+          <a:fontRef idx="minor">
+            <a:schemeClr val="tx1"/>
+          </a:fontRef>
+        </p:style>
+      </p:cxnSp>
+      <p:sp>
+        <p:nvSpPr>
+          <p:cNvPr id="9" name="テキスト ボックス 8">
+            <a:extLst>
+              <a:ext uri="{FF2B5EF4-FFF2-40B4-BE49-F238E27FC236}">
+                <a16:creationId xmlns:a16="http://schemas.microsoft.com/office/drawing/2014/main" id="{F59D0DAA-2B1E-9B44-8607-1C1FE4CC25C1}"/>
+              </a:ext>
+            </a:extLst>
+          </p:cNvPr>
+          <p:cNvSpPr txBox="1"/>
+          <p:nvPr/>
+        </p:nvSpPr>
+        <p:spPr>
+          <a:xfrm>
+            <a:off x="2064506" y="597760"/>
+            <a:ext cx="595035" cy="830997"/>
+          </a:xfrm>
+          <a:prstGeom prst="rect">
+            <a:avLst/>
+          </a:prstGeom>
+          <a:noFill/>
+        </p:spPr>
+        <p:txBody>
+          <a:bodyPr wrap="none" rtlCol="0">
+            <a:spAutoFit/>
+          </a:bodyPr>
+          <a:lstStyle/>
+          <a:p>
+            <a:r>
+              <a:rPr kumimoji="1" lang="en-US" altLang="ja-JP" sz="4800" dirty="0">
+                <a:latin typeface="Source Han Code JP R" panose="020B0500000000000000" pitchFamily="34" charset="-128"/>
+                <a:ea typeface="Source Han Code JP R" panose="020B0500000000000000" pitchFamily="34" charset="-128"/>
+              </a:rPr>
+              <a:t>I</a:t>
+            </a:r>
+            <a:endParaRPr kumimoji="1" lang="ja-JP" altLang="en-US" sz="4800">
+              <a:latin typeface="Source Han Code JP R" panose="020B0500000000000000" pitchFamily="34" charset="-128"/>
+              <a:ea typeface="Source Han Code JP R" panose="020B0500000000000000" pitchFamily="34" charset="-128"/>
+            </a:endParaRPr>
+          </a:p>
+        </p:txBody>
+      </p:sp>
+      <p:cxnSp>
+        <p:nvCxnSpPr>
+          <p:cNvPr id="10" name="直線矢印コネクタ 9">
+            <a:extLst>
+              <a:ext uri="{FF2B5EF4-FFF2-40B4-BE49-F238E27FC236}">
+                <a16:creationId xmlns:a16="http://schemas.microsoft.com/office/drawing/2014/main" id="{6B28EED5-0E6F-E841-9F7B-B97181AF7FD3}"/>
+              </a:ext>
+            </a:extLst>
+          </p:cNvPr>
+          <p:cNvCxnSpPr>
+            <a:cxnSpLocks/>
+          </p:cNvCxnSpPr>
+          <p:nvPr/>
+        </p:nvCxnSpPr>
+        <p:spPr>
+          <a:xfrm>
+            <a:off x="3529776" y="2035278"/>
+            <a:ext cx="0" cy="1185044"/>
+          </a:xfrm>
+          <a:prstGeom prst="straightConnector1">
+            <a:avLst/>
+          </a:prstGeom>
+          <a:ln w="38100">
+            <a:solidFill>
+              <a:schemeClr val="tx1"/>
+            </a:solidFill>
+            <a:headEnd type="none" w="lg" len="lg"/>
+            <a:tailEnd type="arrow" w="lg" len="lg"/>
+          </a:ln>
+        </p:spPr>
+        <p:style>
+          <a:lnRef idx="1">
+            <a:schemeClr val="accent1"/>
+          </a:lnRef>
+          <a:fillRef idx="0">
+            <a:schemeClr val="accent1"/>
+          </a:fillRef>
+          <a:effectRef idx="0">
+            <a:schemeClr val="accent1"/>
+          </a:effectRef>
+          <a:fontRef idx="minor">
+            <a:schemeClr val="tx1"/>
+          </a:fontRef>
+        </p:style>
+      </p:cxnSp>
+      <p:sp>
+        <p:nvSpPr>
+          <p:cNvPr id="11" name="テキスト ボックス 10">
+            <a:extLst>
+              <a:ext uri="{FF2B5EF4-FFF2-40B4-BE49-F238E27FC236}">
+                <a16:creationId xmlns:a16="http://schemas.microsoft.com/office/drawing/2014/main" id="{D6610F1C-F46F-6048-8045-44A6BB4ABA02}"/>
+              </a:ext>
+            </a:extLst>
+          </p:cNvPr>
+          <p:cNvSpPr txBox="1"/>
+          <p:nvPr/>
+        </p:nvSpPr>
+        <p:spPr>
+          <a:xfrm>
+            <a:off x="2754427" y="3429000"/>
+            <a:ext cx="1005403" cy="830997"/>
+          </a:xfrm>
+          <a:prstGeom prst="rect">
+            <a:avLst/>
+          </a:prstGeom>
+          <a:noFill/>
+        </p:spPr>
+        <p:txBody>
+          <a:bodyPr wrap="none" rtlCol="0">
+            <a:spAutoFit/>
+          </a:bodyPr>
+          <a:lstStyle/>
+          <a:p>
+            <a:r>
+              <a:rPr kumimoji="1" lang="en-US" altLang="ja-JP" sz="4800" dirty="0">
+                <a:latin typeface="Source Han Code JP R" panose="020B0500000000000000" pitchFamily="34" charset="-128"/>
+                <a:ea typeface="Source Han Code JP R" panose="020B0500000000000000" pitchFamily="34" charset="-128"/>
+              </a:rPr>
+              <a:t>I1</a:t>
+            </a:r>
+            <a:endParaRPr kumimoji="1" lang="ja-JP" altLang="en-US" sz="4800">
+              <a:latin typeface="Source Han Code JP R" panose="020B0500000000000000" pitchFamily="34" charset="-128"/>
+              <a:ea typeface="Source Han Code JP R" panose="020B0500000000000000" pitchFamily="34" charset="-128"/>
+            </a:endParaRPr>
+          </a:p>
+        </p:txBody>
+      </p:sp>
+      <p:cxnSp>
+        <p:nvCxnSpPr>
+          <p:cNvPr id="13" name="直線矢印コネクタ 12">
+            <a:extLst>
+              <a:ext uri="{FF2B5EF4-FFF2-40B4-BE49-F238E27FC236}">
+                <a16:creationId xmlns:a16="http://schemas.microsoft.com/office/drawing/2014/main" id="{07DD21EE-7A5B-1645-B675-D78250867A9E}"/>
+              </a:ext>
+            </a:extLst>
+          </p:cNvPr>
+          <p:cNvCxnSpPr>
+            <a:cxnSpLocks/>
+          </p:cNvCxnSpPr>
+          <p:nvPr/>
+        </p:nvCxnSpPr>
+        <p:spPr>
+          <a:xfrm>
+            <a:off x="6730176" y="2035278"/>
+            <a:ext cx="0" cy="1185044"/>
+          </a:xfrm>
+          <a:prstGeom prst="straightConnector1">
+            <a:avLst/>
+          </a:prstGeom>
+          <a:ln w="38100">
+            <a:solidFill>
+              <a:schemeClr val="tx1"/>
+            </a:solidFill>
+            <a:headEnd type="none" w="lg" len="lg"/>
+            <a:tailEnd type="arrow" w="lg" len="lg"/>
+          </a:ln>
+        </p:spPr>
+        <p:style>
+          <a:lnRef idx="1">
+            <a:schemeClr val="accent1"/>
+          </a:lnRef>
+          <a:fillRef idx="0">
+            <a:schemeClr val="accent1"/>
+          </a:fillRef>
+          <a:effectRef idx="0">
+            <a:schemeClr val="accent1"/>
+          </a:effectRef>
+          <a:fontRef idx="minor">
+            <a:schemeClr val="tx1"/>
+          </a:fontRef>
+        </p:style>
+      </p:cxnSp>
+      <p:sp>
+        <p:nvSpPr>
+          <p:cNvPr id="14" name="テキスト ボックス 13">
+            <a:extLst>
+              <a:ext uri="{FF2B5EF4-FFF2-40B4-BE49-F238E27FC236}">
+                <a16:creationId xmlns:a16="http://schemas.microsoft.com/office/drawing/2014/main" id="{07907D34-E6F5-CC44-ADF8-407331ED20BC}"/>
+              </a:ext>
+            </a:extLst>
+          </p:cNvPr>
+          <p:cNvSpPr txBox="1"/>
+          <p:nvPr/>
+        </p:nvSpPr>
+        <p:spPr>
+          <a:xfrm>
+            <a:off x="6096000" y="3428999"/>
+            <a:ext cx="1005403" cy="830997"/>
+          </a:xfrm>
+          <a:prstGeom prst="rect">
+            <a:avLst/>
+          </a:prstGeom>
+          <a:noFill/>
+        </p:spPr>
+        <p:txBody>
+          <a:bodyPr wrap="none" rtlCol="0">
+            <a:spAutoFit/>
+          </a:bodyPr>
+          <a:lstStyle/>
+          <a:p>
+            <a:r>
+              <a:rPr kumimoji="1" lang="en-US" altLang="ja-JP" sz="4800" dirty="0">
+                <a:latin typeface="Source Han Code JP R" panose="020B0500000000000000" pitchFamily="34" charset="-128"/>
+                <a:ea typeface="Source Han Code JP R" panose="020B0500000000000000" pitchFamily="34" charset="-128"/>
+              </a:rPr>
+              <a:t>I2</a:t>
+            </a:r>
+            <a:endParaRPr kumimoji="1" lang="ja-JP" altLang="en-US" sz="4800">
+              <a:latin typeface="Source Han Code JP R" panose="020B0500000000000000" pitchFamily="34" charset="-128"/>
+              <a:ea typeface="Source Han Code JP R" panose="020B0500000000000000" pitchFamily="34" charset="-128"/>
+            </a:endParaRPr>
+          </a:p>
+        </p:txBody>
+      </p:sp>
+      <p:cxnSp>
+        <p:nvCxnSpPr>
+          <p:cNvPr id="15" name="直線矢印コネクタ 14">
+            <a:extLst>
+              <a:ext uri="{FF2B5EF4-FFF2-40B4-BE49-F238E27FC236}">
+                <a16:creationId xmlns:a16="http://schemas.microsoft.com/office/drawing/2014/main" id="{B7E1FB86-2BBB-794D-9455-02B411875194}"/>
+              </a:ext>
+            </a:extLst>
+          </p:cNvPr>
+          <p:cNvCxnSpPr>
+            <a:cxnSpLocks/>
+          </p:cNvCxnSpPr>
+          <p:nvPr/>
+        </p:nvCxnSpPr>
+        <p:spPr>
+          <a:xfrm>
+            <a:off x="10019066" y="2035278"/>
+            <a:ext cx="0" cy="1185044"/>
+          </a:xfrm>
+          <a:prstGeom prst="straightConnector1">
+            <a:avLst/>
+          </a:prstGeom>
+          <a:ln w="38100">
+            <a:solidFill>
+              <a:schemeClr val="tx1"/>
+            </a:solidFill>
+            <a:headEnd type="none" w="lg" len="lg"/>
+            <a:tailEnd type="arrow" w="lg" len="lg"/>
+          </a:ln>
+        </p:spPr>
+        <p:style>
+          <a:lnRef idx="1">
+            <a:schemeClr val="accent1"/>
+          </a:lnRef>
+          <a:fillRef idx="0">
+            <a:schemeClr val="accent1"/>
+          </a:fillRef>
+          <a:effectRef idx="0">
+            <a:schemeClr val="accent1"/>
+          </a:effectRef>
+          <a:fontRef idx="minor">
+            <a:schemeClr val="tx1"/>
+          </a:fontRef>
+        </p:style>
+      </p:cxnSp>
+      <p:sp>
+        <p:nvSpPr>
+          <p:cNvPr id="16" name="テキスト ボックス 15">
+            <a:extLst>
+              <a:ext uri="{FF2B5EF4-FFF2-40B4-BE49-F238E27FC236}">
+                <a16:creationId xmlns:a16="http://schemas.microsoft.com/office/drawing/2014/main" id="{3577C74F-DE6B-5A4A-B7EB-94EEAF921B8A}"/>
+              </a:ext>
+            </a:extLst>
+          </p:cNvPr>
+          <p:cNvSpPr txBox="1"/>
+          <p:nvPr/>
+        </p:nvSpPr>
+        <p:spPr>
+          <a:xfrm>
+            <a:off x="9266903" y="3428998"/>
+            <a:ext cx="1005403" cy="830997"/>
+          </a:xfrm>
+          <a:prstGeom prst="rect">
+            <a:avLst/>
+          </a:prstGeom>
+          <a:noFill/>
+        </p:spPr>
+        <p:txBody>
+          <a:bodyPr wrap="none" rtlCol="0">
+            <a:spAutoFit/>
+          </a:bodyPr>
+          <a:lstStyle/>
+          <a:p>
+            <a:r>
+              <a:rPr kumimoji="1" lang="en-US" altLang="ja-JP" sz="4800" dirty="0">
+                <a:latin typeface="Source Han Code JP R" panose="020B0500000000000000" pitchFamily="34" charset="-128"/>
+                <a:ea typeface="Source Han Code JP R" panose="020B0500000000000000" pitchFamily="34" charset="-128"/>
+              </a:rPr>
+              <a:t>I3</a:t>
+            </a:r>
+          </a:p>
+        </p:txBody>
+      </p:sp>
+    </p:spTree>
+    <p:extLst>
+      <p:ext uri="{BB962C8B-B14F-4D97-AF65-F5344CB8AC3E}">
+        <p14:creationId xmlns:p14="http://schemas.microsoft.com/office/powerpoint/2010/main" val="3528571458"/>
+      </p:ext>
+    </p:extLst>
+  </p:cSld>
+  <p:clrMapOvr>
+    <a:masterClrMapping/>
+  </p:clrMapOvr>
+</p:sld>
+</file>
+
+<file path=ppt/slides/slide4.xml><?xml version="1.0" encoding="utf-8"?>
+<p:sld xmlns:a="http://schemas.openxmlformats.org/drawingml/2006/main" xmlns:r="http://schemas.openxmlformats.org/officeDocument/2006/relationships" xmlns:p="http://schemas.openxmlformats.org/presentationml/2006/main">
+  <p:cSld>
+    <p:spTree>
+      <p:nvGrpSpPr>
+        <p:cNvPr id="1" name=""/>
+        <p:cNvGrpSpPr/>
+        <p:nvPr/>
+      </p:nvGrpSpPr>
+      <p:grpSpPr>
+        <a:xfrm>
+          <a:off x="0" y="0"/>
+          <a:ext cx="0" cy="0"/>
+          <a:chOff x="0" y="0"/>
+          <a:chExt cx="0" cy="0"/>
+        </a:xfrm>
+      </p:grpSpPr>
+      <p:grpSp>
+        <p:nvGrpSpPr>
+          <p:cNvPr id="14" name="グループ化 13">
+            <a:extLst>
+              <a:ext uri="{FF2B5EF4-FFF2-40B4-BE49-F238E27FC236}">
+                <a16:creationId xmlns:a16="http://schemas.microsoft.com/office/drawing/2014/main" id="{7166E56C-7CA9-F944-9730-AAD5AD24A561}"/>
+              </a:ext>
+            </a:extLst>
+          </p:cNvPr>
+          <p:cNvGrpSpPr/>
+          <p:nvPr/>
+        </p:nvGrpSpPr>
+        <p:grpSpPr>
+          <a:xfrm>
+            <a:off x="0" y="597760"/>
+            <a:ext cx="12192000" cy="4921820"/>
+            <a:chOff x="0" y="597760"/>
+            <a:chExt cx="12192000" cy="4921820"/>
+          </a:xfrm>
+        </p:grpSpPr>
+        <p:pic>
+          <p:nvPicPr>
+            <p:cNvPr id="5" name="図 4">
+              <a:extLst>
+                <a:ext uri="{FF2B5EF4-FFF2-40B4-BE49-F238E27FC236}">
+                  <a16:creationId xmlns:a16="http://schemas.microsoft.com/office/drawing/2014/main" id="{BB9ACF51-0ABA-A54D-BD31-E0187BDD607D}"/>
+                </a:ext>
+              </a:extLst>
+            </p:cNvPr>
+            <p:cNvPicPr>
+              <a:picLocks noChangeAspect="1"/>
+            </p:cNvPicPr>
+            <p:nvPr/>
+          </p:nvPicPr>
+          <p:blipFill>
+            <a:blip r:embed="rId2"/>
+            <a:stretch>
+              <a:fillRect/>
+            </a:stretch>
+          </p:blipFill>
+          <p:spPr>
+            <a:xfrm>
+              <a:off x="0" y="1338420"/>
+              <a:ext cx="12192000" cy="4181160"/>
+            </a:xfrm>
+            <a:prstGeom prst="rect">
+              <a:avLst/>
+            </a:prstGeom>
+          </p:spPr>
+        </p:pic>
+        <p:cxnSp>
+          <p:nvCxnSpPr>
+            <p:cNvPr id="6" name="直線矢印コネクタ 5">
+              <a:extLst>
+                <a:ext uri="{FF2B5EF4-FFF2-40B4-BE49-F238E27FC236}">
+                  <a16:creationId xmlns:a16="http://schemas.microsoft.com/office/drawing/2014/main" id="{4DEA4A86-376B-094B-A60E-C9A0EEB18003}"/>
+                </a:ext>
+              </a:extLst>
+            </p:cNvPr>
+            <p:cNvCxnSpPr>
+              <a:cxnSpLocks/>
+            </p:cNvCxnSpPr>
+            <p:nvPr/>
+          </p:nvCxnSpPr>
+          <p:spPr>
+            <a:xfrm>
+              <a:off x="1717046" y="1357108"/>
+              <a:ext cx="1289957" cy="0"/>
+            </a:xfrm>
+            <a:prstGeom prst="straightConnector1">
+              <a:avLst/>
+            </a:prstGeom>
+            <a:ln w="38100">
+              <a:solidFill>
+                <a:schemeClr val="tx1"/>
+              </a:solidFill>
+              <a:headEnd type="none" w="lg" len="lg"/>
+              <a:tailEnd type="arrow" w="lg" len="lg"/>
+            </a:ln>
+          </p:spPr>
+          <p:style>
+            <a:lnRef idx="1">
+              <a:schemeClr val="accent1"/>
+            </a:lnRef>
+            <a:fillRef idx="0">
+              <a:schemeClr val="accent1"/>
+            </a:fillRef>
+            <a:effectRef idx="0">
+              <a:schemeClr val="accent1"/>
+            </a:effectRef>
+            <a:fontRef idx="minor">
+              <a:schemeClr val="tx1"/>
+            </a:fontRef>
+          </p:style>
+        </p:cxnSp>
+        <p:sp>
+          <p:nvSpPr>
+            <p:cNvPr id="7" name="テキスト ボックス 6">
+              <a:extLst>
+                <a:ext uri="{FF2B5EF4-FFF2-40B4-BE49-F238E27FC236}">
+                  <a16:creationId xmlns:a16="http://schemas.microsoft.com/office/drawing/2014/main" id="{D5B79D3D-D753-9D49-AC0B-8606CCF89B50}"/>
+                </a:ext>
+              </a:extLst>
+            </p:cNvPr>
+            <p:cNvSpPr txBox="1"/>
+            <p:nvPr/>
+          </p:nvSpPr>
+          <p:spPr>
+            <a:xfrm>
+              <a:off x="2064506" y="597760"/>
+              <a:ext cx="595035" cy="830997"/>
+            </a:xfrm>
+            <a:prstGeom prst="rect">
+              <a:avLst/>
+            </a:prstGeom>
+            <a:noFill/>
+          </p:spPr>
+          <p:txBody>
+            <a:bodyPr wrap="none" rtlCol="0">
+              <a:spAutoFit/>
+            </a:bodyPr>
+            <a:lstStyle/>
+            <a:p>
+              <a:r>
+                <a:rPr kumimoji="1" lang="en-US" altLang="ja-JP" sz="4800" dirty="0">
+                  <a:latin typeface="Source Han Code JP R" panose="020B0500000000000000" pitchFamily="34" charset="-128"/>
+                  <a:ea typeface="Source Han Code JP R" panose="020B0500000000000000" pitchFamily="34" charset="-128"/>
+                </a:rPr>
+                <a:t>I</a:t>
+              </a:r>
+              <a:endParaRPr kumimoji="1" lang="ja-JP" altLang="en-US" sz="4800">
+                <a:latin typeface="Source Han Code JP R" panose="020B0500000000000000" pitchFamily="34" charset="-128"/>
+                <a:ea typeface="Source Han Code JP R" panose="020B0500000000000000" pitchFamily="34" charset="-128"/>
+              </a:endParaRPr>
+            </a:p>
+          </p:txBody>
+        </p:sp>
+        <p:cxnSp>
+          <p:nvCxnSpPr>
+            <p:cNvPr id="8" name="直線矢印コネクタ 7">
+              <a:extLst>
+                <a:ext uri="{FF2B5EF4-FFF2-40B4-BE49-F238E27FC236}">
+                  <a16:creationId xmlns:a16="http://schemas.microsoft.com/office/drawing/2014/main" id="{CBF170F4-9653-0B43-98CF-89AA4AE5174C}"/>
+                </a:ext>
+              </a:extLst>
+            </p:cNvPr>
+            <p:cNvCxnSpPr>
+              <a:cxnSpLocks/>
+            </p:cNvCxnSpPr>
+            <p:nvPr/>
+          </p:nvCxnSpPr>
+          <p:spPr>
+            <a:xfrm>
+              <a:off x="3529776" y="2035278"/>
+              <a:ext cx="0" cy="1185044"/>
+            </a:xfrm>
+            <a:prstGeom prst="straightConnector1">
+              <a:avLst/>
+            </a:prstGeom>
+            <a:ln w="38100">
+              <a:solidFill>
+                <a:schemeClr val="tx1"/>
+              </a:solidFill>
+              <a:headEnd type="none" w="lg" len="lg"/>
+              <a:tailEnd type="arrow" w="lg" len="lg"/>
+            </a:ln>
+          </p:spPr>
+          <p:style>
+            <a:lnRef idx="1">
+              <a:schemeClr val="accent1"/>
+            </a:lnRef>
+            <a:fillRef idx="0">
+              <a:schemeClr val="accent1"/>
+            </a:fillRef>
+            <a:effectRef idx="0">
+              <a:schemeClr val="accent1"/>
+            </a:effectRef>
+            <a:fontRef idx="minor">
+              <a:schemeClr val="tx1"/>
+            </a:fontRef>
+          </p:style>
+        </p:cxnSp>
+        <p:sp>
+          <p:nvSpPr>
+            <p:cNvPr id="9" name="テキスト ボックス 8">
+              <a:extLst>
+                <a:ext uri="{FF2B5EF4-FFF2-40B4-BE49-F238E27FC236}">
+                  <a16:creationId xmlns:a16="http://schemas.microsoft.com/office/drawing/2014/main" id="{7293AA82-28F5-4A4E-8400-A37C56265478}"/>
+                </a:ext>
+              </a:extLst>
+            </p:cNvPr>
+            <p:cNvSpPr txBox="1"/>
+            <p:nvPr/>
+          </p:nvSpPr>
+          <p:spPr>
+            <a:xfrm>
+              <a:off x="2553865" y="2097769"/>
+              <a:ext cx="1005403" cy="830997"/>
+            </a:xfrm>
+            <a:prstGeom prst="rect">
+              <a:avLst/>
+            </a:prstGeom>
+            <a:noFill/>
+          </p:spPr>
+          <p:txBody>
+            <a:bodyPr wrap="none" rtlCol="0">
+              <a:spAutoFit/>
+            </a:bodyPr>
+            <a:lstStyle/>
+            <a:p>
+              <a:r>
+                <a:rPr kumimoji="1" lang="en-US" altLang="ja-JP" sz="4800" dirty="0">
+                  <a:latin typeface="Source Han Code JP R" panose="020B0500000000000000" pitchFamily="34" charset="-128"/>
+                  <a:ea typeface="Source Han Code JP R" panose="020B0500000000000000" pitchFamily="34" charset="-128"/>
+                </a:rPr>
+                <a:t>I1</a:t>
+              </a:r>
+              <a:endParaRPr kumimoji="1" lang="ja-JP" altLang="en-US" sz="4800">
+                <a:latin typeface="Source Han Code JP R" panose="020B0500000000000000" pitchFamily="34" charset="-128"/>
+                <a:ea typeface="Source Han Code JP R" panose="020B0500000000000000" pitchFamily="34" charset="-128"/>
+              </a:endParaRPr>
+            </a:p>
+          </p:txBody>
+        </p:sp>
+        <p:cxnSp>
+          <p:nvCxnSpPr>
+            <p:cNvPr id="10" name="直線矢印コネクタ 9">
+              <a:extLst>
+                <a:ext uri="{FF2B5EF4-FFF2-40B4-BE49-F238E27FC236}">
+                  <a16:creationId xmlns:a16="http://schemas.microsoft.com/office/drawing/2014/main" id="{7CC18985-9143-2049-BF3D-DC384C2D26CE}"/>
+                </a:ext>
+              </a:extLst>
+            </p:cNvPr>
+            <p:cNvCxnSpPr>
+              <a:cxnSpLocks/>
+            </p:cNvCxnSpPr>
+            <p:nvPr/>
+          </p:nvCxnSpPr>
+          <p:spPr>
+            <a:xfrm>
+              <a:off x="6730176" y="2035278"/>
+              <a:ext cx="0" cy="1185044"/>
+            </a:xfrm>
+            <a:prstGeom prst="straightConnector1">
+              <a:avLst/>
+            </a:prstGeom>
+            <a:ln w="38100">
+              <a:solidFill>
+                <a:schemeClr val="tx1"/>
+              </a:solidFill>
+              <a:headEnd type="none" w="lg" len="lg"/>
+              <a:tailEnd type="arrow" w="lg" len="lg"/>
+            </a:ln>
+          </p:spPr>
+          <p:style>
+            <a:lnRef idx="1">
+              <a:schemeClr val="accent1"/>
+            </a:lnRef>
+            <a:fillRef idx="0">
+              <a:schemeClr val="accent1"/>
+            </a:fillRef>
+            <a:effectRef idx="0">
+              <a:schemeClr val="accent1"/>
+            </a:effectRef>
+            <a:fontRef idx="minor">
+              <a:schemeClr val="tx1"/>
+            </a:fontRef>
+          </p:style>
+        </p:cxnSp>
+        <p:sp>
+          <p:nvSpPr>
+            <p:cNvPr id="11" name="テキスト ボックス 10">
+              <a:extLst>
+                <a:ext uri="{FF2B5EF4-FFF2-40B4-BE49-F238E27FC236}">
+                  <a16:creationId xmlns:a16="http://schemas.microsoft.com/office/drawing/2014/main" id="{26B88449-DD8C-A645-BC61-56A27549C600}"/>
+                </a:ext>
+              </a:extLst>
+            </p:cNvPr>
+            <p:cNvSpPr txBox="1"/>
+            <p:nvPr/>
+          </p:nvSpPr>
+          <p:spPr>
+            <a:xfrm>
+              <a:off x="5724773" y="2097769"/>
+              <a:ext cx="1005403" cy="830997"/>
+            </a:xfrm>
+            <a:prstGeom prst="rect">
+              <a:avLst/>
+            </a:prstGeom>
+            <a:noFill/>
+          </p:spPr>
+          <p:txBody>
+            <a:bodyPr wrap="none" rtlCol="0">
+              <a:spAutoFit/>
+            </a:bodyPr>
+            <a:lstStyle/>
+            <a:p>
+              <a:r>
+                <a:rPr kumimoji="1" lang="en-US" altLang="ja-JP" sz="4800" dirty="0">
+                  <a:latin typeface="Source Han Code JP R" panose="020B0500000000000000" pitchFamily="34" charset="-128"/>
+                  <a:ea typeface="Source Han Code JP R" panose="020B0500000000000000" pitchFamily="34" charset="-128"/>
+                </a:rPr>
+                <a:t>I2</a:t>
+              </a:r>
+              <a:endParaRPr kumimoji="1" lang="ja-JP" altLang="en-US" sz="4800">
+                <a:latin typeface="Source Han Code JP R" panose="020B0500000000000000" pitchFamily="34" charset="-128"/>
+                <a:ea typeface="Source Han Code JP R" panose="020B0500000000000000" pitchFamily="34" charset="-128"/>
+              </a:endParaRPr>
+            </a:p>
+          </p:txBody>
+        </p:sp>
+        <p:cxnSp>
+          <p:nvCxnSpPr>
+            <p:cNvPr id="12" name="直線矢印コネクタ 11">
+              <a:extLst>
+                <a:ext uri="{FF2B5EF4-FFF2-40B4-BE49-F238E27FC236}">
+                  <a16:creationId xmlns:a16="http://schemas.microsoft.com/office/drawing/2014/main" id="{64BCFCBA-416B-C845-B788-80D745767718}"/>
+                </a:ext>
+              </a:extLst>
+            </p:cNvPr>
+            <p:cNvCxnSpPr>
+              <a:cxnSpLocks/>
+            </p:cNvCxnSpPr>
+            <p:nvPr/>
+          </p:nvCxnSpPr>
+          <p:spPr>
+            <a:xfrm>
+              <a:off x="10019066" y="2035278"/>
+              <a:ext cx="0" cy="1185044"/>
+            </a:xfrm>
+            <a:prstGeom prst="straightConnector1">
+              <a:avLst/>
+            </a:prstGeom>
+            <a:ln w="38100">
+              <a:solidFill>
+                <a:schemeClr val="tx1"/>
+              </a:solidFill>
+              <a:headEnd type="none" w="lg" len="lg"/>
+              <a:tailEnd type="arrow" w="lg" len="lg"/>
+            </a:ln>
+          </p:spPr>
+          <p:style>
+            <a:lnRef idx="1">
+              <a:schemeClr val="accent1"/>
+            </a:lnRef>
+            <a:fillRef idx="0">
+              <a:schemeClr val="accent1"/>
+            </a:fillRef>
+            <a:effectRef idx="0">
+              <a:schemeClr val="accent1"/>
+            </a:effectRef>
+            <a:fontRef idx="minor">
+              <a:schemeClr val="tx1"/>
+            </a:fontRef>
+          </p:style>
+        </p:cxnSp>
+        <p:sp>
+          <p:nvSpPr>
+            <p:cNvPr id="13" name="テキスト ボックス 12">
+              <a:extLst>
+                <a:ext uri="{FF2B5EF4-FFF2-40B4-BE49-F238E27FC236}">
+                  <a16:creationId xmlns:a16="http://schemas.microsoft.com/office/drawing/2014/main" id="{00D6C5AB-5C46-774D-93D0-AECE572C98B6}"/>
+                </a:ext>
+              </a:extLst>
+            </p:cNvPr>
+            <p:cNvSpPr txBox="1"/>
+            <p:nvPr/>
+          </p:nvSpPr>
+          <p:spPr>
+            <a:xfrm>
+              <a:off x="8925172" y="2097769"/>
+              <a:ext cx="1005403" cy="830997"/>
+            </a:xfrm>
+            <a:prstGeom prst="rect">
+              <a:avLst/>
+            </a:prstGeom>
+            <a:noFill/>
+          </p:spPr>
+          <p:txBody>
+            <a:bodyPr wrap="none" rtlCol="0">
+              <a:spAutoFit/>
+            </a:bodyPr>
+            <a:lstStyle/>
+            <a:p>
+              <a:r>
+                <a:rPr kumimoji="1" lang="en-US" altLang="ja-JP" sz="4800" dirty="0">
+                  <a:latin typeface="Source Han Code JP R" panose="020B0500000000000000" pitchFamily="34" charset="-128"/>
+                  <a:ea typeface="Source Han Code JP R" panose="020B0500000000000000" pitchFamily="34" charset="-128"/>
+                </a:rPr>
+                <a:t>I3</a:t>
+              </a:r>
+            </a:p>
+          </p:txBody>
+        </p:sp>
+      </p:grpSp>
+    </p:spTree>
+    <p:extLst>
+      <p:ext uri="{BB962C8B-B14F-4D97-AF65-F5344CB8AC3E}">
+        <p14:creationId xmlns:p14="http://schemas.microsoft.com/office/powerpoint/2010/main" val="2031549361"/>
+      </p:ext>
+    </p:extLst>
+  </p:cSld>
+  <p:clrMapOvr>
+    <a:masterClrMapping/>
+  </p:clrMapOvr>
+</p:sld>
+</file>
+
+<file path=ppt/slides/slide5.xml><?xml version="1.0" encoding="utf-8"?>
+<p:sld xmlns:a="http://schemas.openxmlformats.org/drawingml/2006/main" xmlns:r="http://schemas.openxmlformats.org/officeDocument/2006/relationships" xmlns:p="http://schemas.openxmlformats.org/presentationml/2006/main">
+  <p:cSld>
+    <p:spTree>
+      <p:nvGrpSpPr>
+        <p:cNvPr id="1" name=""/>
+        <p:cNvGrpSpPr/>
+        <p:nvPr/>
+      </p:nvGrpSpPr>
+      <p:grpSpPr>
+        <a:xfrm>
+          <a:off x="0" y="0"/>
+          <a:ext cx="0" cy="0"/>
+          <a:chOff x="0" y="0"/>
+          <a:chExt cx="0" cy="0"/>
+        </a:xfrm>
+      </p:grpSpPr>
+      <p:pic>
+        <p:nvPicPr>
+          <p:cNvPr id="5" name="図 4">
+            <a:extLst>
+              <a:ext uri="{FF2B5EF4-FFF2-40B4-BE49-F238E27FC236}">
+                <a16:creationId xmlns:a16="http://schemas.microsoft.com/office/drawing/2014/main" id="{08BCA733-0DA3-054F-884A-F6B8E009D715}"/>
+              </a:ext>
+            </a:extLst>
+          </p:cNvPr>
+          <p:cNvPicPr>
+            <a:picLocks noChangeAspect="1"/>
+          </p:cNvPicPr>
+          <p:nvPr/>
+        </p:nvPicPr>
+        <p:blipFill>
+          <a:blip r:embed="rId2"/>
+          <a:stretch>
+            <a:fillRect/>
+          </a:stretch>
+        </p:blipFill>
+        <p:spPr>
+          <a:xfrm>
+            <a:off x="0" y="2075562"/>
+            <a:ext cx="12192000" cy="2706875"/>
+          </a:xfrm>
+          <a:prstGeom prst="rect">
+            <a:avLst/>
+          </a:prstGeom>
+        </p:spPr>
+      </p:pic>
+    </p:spTree>
+    <p:extLst>
+      <p:ext uri="{BB962C8B-B14F-4D97-AF65-F5344CB8AC3E}">
+        <p14:creationId xmlns:p14="http://schemas.microsoft.com/office/powerpoint/2010/main" val="3993351759"/>
+      </p:ext>
+    </p:extLst>
+  </p:cSld>
+  <p:clrMapOvr>
+    <a:masterClrMapping/>
+  </p:clrMapOvr>
+</p:sld>
+</file>
+
+<file path=ppt/slides/slide6.xml><?xml version="1.0" encoding="utf-8"?>
+<p:sld xmlns:a="http://schemas.openxmlformats.org/drawingml/2006/main" xmlns:r="http://schemas.openxmlformats.org/officeDocument/2006/relationships" xmlns:p="http://schemas.openxmlformats.org/presentationml/2006/main">
+  <p:cSld>
+    <p:spTree>
+      <p:nvGrpSpPr>
+        <p:cNvPr id="1" name=""/>
+        <p:cNvGrpSpPr/>
+        <p:nvPr/>
+      </p:nvGrpSpPr>
+      <p:grpSpPr>
+        <a:xfrm>
+          <a:off x="0" y="0"/>
+          <a:ext cx="0" cy="0"/>
+          <a:chOff x="0" y="0"/>
+          <a:chExt cx="0" cy="0"/>
+        </a:xfrm>
+      </p:grpSpPr>
+      <p:grpSp>
+        <p:nvGrpSpPr>
+          <p:cNvPr id="29" name="グループ化 28">
+            <a:extLst>
+              <a:ext uri="{FF2B5EF4-FFF2-40B4-BE49-F238E27FC236}">
+                <a16:creationId xmlns:a16="http://schemas.microsoft.com/office/drawing/2014/main" id="{15BF48D9-BD2A-B14D-83C3-71A90565464A}"/>
+              </a:ext>
+            </a:extLst>
+          </p:cNvPr>
+          <p:cNvGrpSpPr/>
+          <p:nvPr/>
+        </p:nvGrpSpPr>
+        <p:grpSpPr>
+          <a:xfrm>
+            <a:off x="3451668" y="0"/>
+            <a:ext cx="5288664" cy="6858000"/>
+            <a:chOff x="3451668" y="0"/>
+            <a:chExt cx="5288664" cy="6858000"/>
+          </a:xfrm>
+        </p:grpSpPr>
+        <p:pic>
+          <p:nvPicPr>
+            <p:cNvPr id="5" name="図 4">
+              <a:extLst>
+                <a:ext uri="{FF2B5EF4-FFF2-40B4-BE49-F238E27FC236}">
+                  <a16:creationId xmlns:a16="http://schemas.microsoft.com/office/drawing/2014/main" id="{733847EB-CB40-8648-B356-07F3819BE75E}"/>
+                </a:ext>
+              </a:extLst>
+            </p:cNvPr>
+            <p:cNvPicPr>
+              <a:picLocks noChangeAspect="1"/>
+            </p:cNvPicPr>
+            <p:nvPr/>
+          </p:nvPicPr>
+          <p:blipFill>
+            <a:blip r:embed="rId2"/>
+            <a:stretch>
+              <a:fillRect/>
+            </a:stretch>
+          </p:blipFill>
+          <p:spPr>
+            <a:xfrm>
+              <a:off x="3451668" y="0"/>
+              <a:ext cx="5288664" cy="6858000"/>
+            </a:xfrm>
+            <a:prstGeom prst="rect">
+              <a:avLst/>
+            </a:prstGeom>
+          </p:spPr>
+        </p:pic>
+        <p:cxnSp>
+          <p:nvCxnSpPr>
+            <p:cNvPr id="7" name="直線矢印コネクタ 6">
+              <a:extLst>
+                <a:ext uri="{FF2B5EF4-FFF2-40B4-BE49-F238E27FC236}">
+                  <a16:creationId xmlns:a16="http://schemas.microsoft.com/office/drawing/2014/main" id="{587B6F56-D90D-9440-94D3-47B852525AB5}"/>
+                </a:ext>
+              </a:extLst>
+            </p:cNvPr>
+            <p:cNvCxnSpPr>
+              <a:cxnSpLocks/>
+            </p:cNvCxnSpPr>
+            <p:nvPr/>
+          </p:nvCxnSpPr>
+          <p:spPr>
+            <a:xfrm>
+              <a:off x="3647768" y="3720983"/>
+              <a:ext cx="2271251" cy="0"/>
+            </a:xfrm>
+            <a:prstGeom prst="straightConnector1">
+              <a:avLst/>
+            </a:prstGeom>
+            <a:ln w="38100">
+              <a:solidFill>
+                <a:schemeClr val="tx1"/>
+              </a:solidFill>
+              <a:headEnd type="triangle" w="lg" len="lg"/>
+              <a:tailEnd type="triangle" w="lg" len="lg"/>
+            </a:ln>
+          </p:spPr>
+          <p:style>
+            <a:lnRef idx="1">
+              <a:schemeClr val="accent1"/>
+            </a:lnRef>
+            <a:fillRef idx="0">
+              <a:schemeClr val="accent1"/>
+            </a:fillRef>
+            <a:effectRef idx="0">
+              <a:schemeClr val="accent1"/>
+            </a:effectRef>
+            <a:fontRef idx="minor">
+              <a:schemeClr val="tx1"/>
+            </a:fontRef>
+          </p:style>
+        </p:cxnSp>
+        <p:sp>
+          <p:nvSpPr>
+            <p:cNvPr id="10" name="テキスト ボックス 9">
+              <a:extLst>
+                <a:ext uri="{FF2B5EF4-FFF2-40B4-BE49-F238E27FC236}">
+                  <a16:creationId xmlns:a16="http://schemas.microsoft.com/office/drawing/2014/main" id="{9280D0B2-ABA9-3A4A-9578-608BE4994BB0}"/>
+                </a:ext>
+              </a:extLst>
+            </p:cNvPr>
+            <p:cNvSpPr txBox="1"/>
+            <p:nvPr/>
+          </p:nvSpPr>
+          <p:spPr>
+            <a:xfrm>
+              <a:off x="4370688" y="3742758"/>
+              <a:ext cx="617477" cy="523220"/>
+            </a:xfrm>
+            <a:prstGeom prst="rect">
+              <a:avLst/>
+            </a:prstGeom>
+            <a:noFill/>
+          </p:spPr>
+          <p:txBody>
+            <a:bodyPr wrap="none" rtlCol="0">
+              <a:spAutoFit/>
+            </a:bodyPr>
+            <a:lstStyle/>
+            <a:p>
+              <a:r>
+                <a:rPr kumimoji="1" lang="en-US" altLang="ja-JP" sz="2800" dirty="0"/>
+                <a:t>V3</a:t>
+              </a:r>
+              <a:endParaRPr kumimoji="1" lang="ja-JP" altLang="en-US" sz="2800"/>
+            </a:p>
+          </p:txBody>
+        </p:sp>
+        <p:cxnSp>
+          <p:nvCxnSpPr>
+            <p:cNvPr id="11" name="直線矢印コネクタ 10">
+              <a:extLst>
+                <a:ext uri="{FF2B5EF4-FFF2-40B4-BE49-F238E27FC236}">
+                  <a16:creationId xmlns:a16="http://schemas.microsoft.com/office/drawing/2014/main" id="{59D9FFA6-F28F-8640-BB7E-4CE520F2A00F}"/>
+                </a:ext>
+              </a:extLst>
+            </p:cNvPr>
+            <p:cNvCxnSpPr>
+              <a:cxnSpLocks/>
+            </p:cNvCxnSpPr>
+            <p:nvPr/>
+          </p:nvCxnSpPr>
+          <p:spPr>
+            <a:xfrm>
+              <a:off x="5919019" y="3720983"/>
+              <a:ext cx="2517058" cy="0"/>
+            </a:xfrm>
+            <a:prstGeom prst="straightConnector1">
+              <a:avLst/>
+            </a:prstGeom>
+            <a:ln w="38100">
+              <a:solidFill>
+                <a:schemeClr val="tx1"/>
+              </a:solidFill>
+              <a:headEnd type="triangle" w="lg" len="lg"/>
+              <a:tailEnd type="triangle" w="lg" len="lg"/>
+            </a:ln>
+          </p:spPr>
+          <p:style>
+            <a:lnRef idx="1">
+              <a:schemeClr val="accent1"/>
+            </a:lnRef>
+            <a:fillRef idx="0">
+              <a:schemeClr val="accent1"/>
+            </a:fillRef>
+            <a:effectRef idx="0">
+              <a:schemeClr val="accent1"/>
+            </a:effectRef>
+            <a:fontRef idx="minor">
+              <a:schemeClr val="tx1"/>
+            </a:fontRef>
+          </p:style>
+        </p:cxnSp>
+        <p:sp>
+          <p:nvSpPr>
+            <p:cNvPr id="12" name="テキスト ボックス 11">
+              <a:extLst>
+                <a:ext uri="{FF2B5EF4-FFF2-40B4-BE49-F238E27FC236}">
+                  <a16:creationId xmlns:a16="http://schemas.microsoft.com/office/drawing/2014/main" id="{FFEEA70F-23CE-E245-BB6F-683DED8AE993}"/>
+                </a:ext>
+              </a:extLst>
+            </p:cNvPr>
+            <p:cNvSpPr txBox="1"/>
+            <p:nvPr/>
+          </p:nvSpPr>
+          <p:spPr>
+            <a:xfrm>
+              <a:off x="6925414" y="3742758"/>
+              <a:ext cx="817853" cy="523220"/>
+            </a:xfrm>
+            <a:prstGeom prst="rect">
+              <a:avLst/>
+            </a:prstGeom>
+            <a:noFill/>
+          </p:spPr>
+          <p:txBody>
+            <a:bodyPr wrap="none" rtlCol="0">
+              <a:spAutoFit/>
+            </a:bodyPr>
+            <a:lstStyle/>
+            <a:p>
+              <a:r>
+                <a:rPr kumimoji="1" lang="en-US" altLang="ja-JP" sz="2800" dirty="0"/>
+                <a:t>V12</a:t>
+              </a:r>
+              <a:endParaRPr kumimoji="1" lang="ja-JP" altLang="en-US" sz="2800"/>
+            </a:p>
+          </p:txBody>
+        </p:sp>
+        <p:cxnSp>
+          <p:nvCxnSpPr>
+            <p:cNvPr id="18" name="直線矢印コネクタ 17">
+              <a:extLst>
+                <a:ext uri="{FF2B5EF4-FFF2-40B4-BE49-F238E27FC236}">
+                  <a16:creationId xmlns:a16="http://schemas.microsoft.com/office/drawing/2014/main" id="{3F5B09BD-74E8-4B46-8B25-FBF4604E5CAD}"/>
+                </a:ext>
+              </a:extLst>
+            </p:cNvPr>
+            <p:cNvCxnSpPr>
+              <a:cxnSpLocks/>
+            </p:cNvCxnSpPr>
+            <p:nvPr/>
+          </p:nvCxnSpPr>
+          <p:spPr>
+            <a:xfrm>
+              <a:off x="3647768" y="2880852"/>
+              <a:ext cx="1907458" cy="0"/>
+            </a:xfrm>
+            <a:prstGeom prst="straightConnector1">
+              <a:avLst/>
+            </a:prstGeom>
+            <a:ln w="38100">
+              <a:solidFill>
+                <a:schemeClr val="tx1"/>
+              </a:solidFill>
+              <a:tailEnd type="triangle" w="lg" len="lg"/>
+            </a:ln>
+          </p:spPr>
+          <p:style>
+            <a:lnRef idx="1">
+              <a:schemeClr val="accent1"/>
+            </a:lnRef>
+            <a:fillRef idx="0">
+              <a:schemeClr val="accent1"/>
+            </a:fillRef>
+            <a:effectRef idx="0">
+              <a:schemeClr val="accent1"/>
+            </a:effectRef>
+            <a:fontRef idx="minor">
+              <a:schemeClr val="tx1"/>
+            </a:fontRef>
+          </p:style>
+        </p:cxnSp>
+        <p:sp>
+          <p:nvSpPr>
+            <p:cNvPr id="21" name="テキスト ボックス 20">
+              <a:extLst>
+                <a:ext uri="{FF2B5EF4-FFF2-40B4-BE49-F238E27FC236}">
+                  <a16:creationId xmlns:a16="http://schemas.microsoft.com/office/drawing/2014/main" id="{F8BA4B83-29A1-B343-A149-3BC91D2D9374}"/>
+                </a:ext>
+              </a:extLst>
+            </p:cNvPr>
+            <p:cNvSpPr txBox="1"/>
+            <p:nvPr/>
+          </p:nvSpPr>
+          <p:spPr>
+            <a:xfrm>
+              <a:off x="4078473" y="2925446"/>
+              <a:ext cx="1186543" cy="523220"/>
+            </a:xfrm>
+            <a:prstGeom prst="rect">
+              <a:avLst/>
+            </a:prstGeom>
+            <a:noFill/>
+          </p:spPr>
+          <p:txBody>
+            <a:bodyPr wrap="none" rtlCol="0">
+              <a:spAutoFit/>
+            </a:bodyPr>
+            <a:lstStyle/>
+            <a:p>
+              <a:r>
+                <a:rPr lang="en-US" altLang="ja-JP" sz="2800" dirty="0"/>
+                <a:t>I = 5A</a:t>
+              </a:r>
+            </a:p>
+          </p:txBody>
+        </p:sp>
+        <p:cxnSp>
+          <p:nvCxnSpPr>
+            <p:cNvPr id="24" name="直線矢印コネクタ 23">
+              <a:extLst>
+                <a:ext uri="{FF2B5EF4-FFF2-40B4-BE49-F238E27FC236}">
+                  <a16:creationId xmlns:a16="http://schemas.microsoft.com/office/drawing/2014/main" id="{3C43F346-8E1F-104F-935E-06F8650BD4B5}"/>
+                </a:ext>
+              </a:extLst>
+            </p:cNvPr>
+            <p:cNvCxnSpPr>
+              <a:cxnSpLocks/>
+            </p:cNvCxnSpPr>
+            <p:nvPr/>
+          </p:nvCxnSpPr>
+          <p:spPr>
+            <a:xfrm>
+              <a:off x="7659329" y="1194620"/>
+              <a:ext cx="953729" cy="0"/>
+            </a:xfrm>
+            <a:prstGeom prst="straightConnector1">
+              <a:avLst/>
+            </a:prstGeom>
+            <a:ln w="38100">
+              <a:solidFill>
+                <a:schemeClr val="tx1"/>
+              </a:solidFill>
+              <a:tailEnd type="triangle" w="lg" len="lg"/>
+            </a:ln>
+          </p:spPr>
+          <p:style>
+            <a:lnRef idx="1">
+              <a:schemeClr val="accent1"/>
+            </a:lnRef>
+            <a:fillRef idx="0">
+              <a:schemeClr val="accent1"/>
+            </a:fillRef>
+            <a:effectRef idx="0">
+              <a:schemeClr val="accent1"/>
+            </a:effectRef>
+            <a:fontRef idx="minor">
+              <a:schemeClr val="tx1"/>
+            </a:fontRef>
+          </p:style>
+        </p:cxnSp>
+        <p:sp>
+          <p:nvSpPr>
+            <p:cNvPr id="26" name="テキスト ボックス 25">
+              <a:extLst>
+                <a:ext uri="{FF2B5EF4-FFF2-40B4-BE49-F238E27FC236}">
+                  <a16:creationId xmlns:a16="http://schemas.microsoft.com/office/drawing/2014/main" id="{39ECF440-8D9D-4743-9844-44641B3FBA44}"/>
+                </a:ext>
+              </a:extLst>
+            </p:cNvPr>
+            <p:cNvSpPr txBox="1"/>
+            <p:nvPr/>
+          </p:nvSpPr>
+          <p:spPr>
+            <a:xfrm>
+              <a:off x="7891575" y="553282"/>
+              <a:ext cx="489236" cy="523220"/>
+            </a:xfrm>
+            <a:prstGeom prst="rect">
+              <a:avLst/>
+            </a:prstGeom>
+            <a:noFill/>
+          </p:spPr>
+          <p:txBody>
+            <a:bodyPr wrap="none" rtlCol="0">
+              <a:spAutoFit/>
+            </a:bodyPr>
+            <a:lstStyle/>
+            <a:p>
+              <a:r>
+                <a:rPr lang="en-US" altLang="ja-JP" sz="2800" dirty="0"/>
+                <a:t>I1</a:t>
+              </a:r>
+            </a:p>
+          </p:txBody>
+        </p:sp>
+        <p:cxnSp>
+          <p:nvCxnSpPr>
+            <p:cNvPr id="27" name="直線矢印コネクタ 26">
+              <a:extLst>
+                <a:ext uri="{FF2B5EF4-FFF2-40B4-BE49-F238E27FC236}">
+                  <a16:creationId xmlns:a16="http://schemas.microsoft.com/office/drawing/2014/main" id="{F1792393-289F-A54D-B887-269A7C41F889}"/>
+                </a:ext>
+              </a:extLst>
+            </p:cNvPr>
+            <p:cNvCxnSpPr>
+              <a:cxnSpLocks/>
+            </p:cNvCxnSpPr>
+            <p:nvPr/>
+          </p:nvCxnSpPr>
+          <p:spPr>
+            <a:xfrm>
+              <a:off x="7552362" y="2880852"/>
+              <a:ext cx="953729" cy="0"/>
+            </a:xfrm>
+            <a:prstGeom prst="straightConnector1">
+              <a:avLst/>
+            </a:prstGeom>
+            <a:ln w="38100">
+              <a:solidFill>
+                <a:schemeClr val="tx1"/>
+              </a:solidFill>
+              <a:tailEnd type="triangle" w="lg" len="lg"/>
+            </a:ln>
+          </p:spPr>
+          <p:style>
+            <a:lnRef idx="1">
+              <a:schemeClr val="accent1"/>
+            </a:lnRef>
+            <a:fillRef idx="0">
+              <a:schemeClr val="accent1"/>
+            </a:fillRef>
+            <a:effectRef idx="0">
+              <a:schemeClr val="accent1"/>
+            </a:effectRef>
+            <a:fontRef idx="minor">
+              <a:schemeClr val="tx1"/>
+            </a:fontRef>
+          </p:style>
+        </p:cxnSp>
+        <p:sp>
+          <p:nvSpPr>
+            <p:cNvPr id="28" name="テキスト ボックス 27">
+              <a:extLst>
+                <a:ext uri="{FF2B5EF4-FFF2-40B4-BE49-F238E27FC236}">
+                  <a16:creationId xmlns:a16="http://schemas.microsoft.com/office/drawing/2014/main" id="{32ED2BED-2AA3-174A-9751-8B924185526B}"/>
+                </a:ext>
+              </a:extLst>
+            </p:cNvPr>
+            <p:cNvSpPr txBox="1"/>
+            <p:nvPr/>
+          </p:nvSpPr>
+          <p:spPr>
+            <a:xfrm>
+              <a:off x="7784608" y="2229022"/>
+              <a:ext cx="489236" cy="523220"/>
+            </a:xfrm>
+            <a:prstGeom prst="rect">
+              <a:avLst/>
+            </a:prstGeom>
+            <a:noFill/>
+          </p:spPr>
+          <p:txBody>
+            <a:bodyPr wrap="none" rtlCol="0">
+              <a:spAutoFit/>
+            </a:bodyPr>
+            <a:lstStyle/>
+            <a:p>
+              <a:r>
+                <a:rPr lang="en-US" altLang="ja-JP" sz="2800" dirty="0"/>
+                <a:t>I2</a:t>
+              </a:r>
+            </a:p>
+          </p:txBody>
+        </p:sp>
+      </p:grpSp>
+    </p:spTree>
+    <p:extLst>
+      <p:ext uri="{BB962C8B-B14F-4D97-AF65-F5344CB8AC3E}">
+        <p14:creationId xmlns:p14="http://schemas.microsoft.com/office/powerpoint/2010/main" val="4188728065"/>
+      </p:ext>
+    </p:extLst>
+  </p:cSld>
+  <p:clrMapOvr>
+    <a:masterClrMapping/>
+  </p:clrMapOvr>
+</p:sld>
+</file>
+
 <file path=ppt/theme/theme1.xml><?xml version="1.0" encoding="utf-8"?>
 <a:theme xmlns:a="http://schemas.openxmlformats.org/drawingml/2006/main" name="Office テーマ">
   <a:themeElements>
